--- a/fig/setup.pptx
+++ b/fig/setup.pptx
@@ -243,7 +243,7 @@
           <a:p>
             <a:fld id="{4E9B1E45-04A1-46FC-B9DF-37D5F39950CC}" type="datetimeFigureOut">
               <a:rPr lang="zh-CN" altLang="en-US" smtClean="0"/>
-              <a:t>2018/1/27</a:t>
+              <a:t>2018/2/22</a:t>
             </a:fld>
             <a:endParaRPr lang="zh-CN" altLang="en-US"/>
           </a:p>
@@ -413,7 +413,7 @@
           <a:p>
             <a:fld id="{4E9B1E45-04A1-46FC-B9DF-37D5F39950CC}" type="datetimeFigureOut">
               <a:rPr lang="zh-CN" altLang="en-US" smtClean="0"/>
-              <a:t>2018/1/27</a:t>
+              <a:t>2018/2/22</a:t>
             </a:fld>
             <a:endParaRPr lang="zh-CN" altLang="en-US"/>
           </a:p>
@@ -593,7 +593,7 @@
           <a:p>
             <a:fld id="{4E9B1E45-04A1-46FC-B9DF-37D5F39950CC}" type="datetimeFigureOut">
               <a:rPr lang="zh-CN" altLang="en-US" smtClean="0"/>
-              <a:t>2018/1/27</a:t>
+              <a:t>2018/2/22</a:t>
             </a:fld>
             <a:endParaRPr lang="zh-CN" altLang="en-US"/>
           </a:p>
@@ -763,7 +763,7 @@
           <a:p>
             <a:fld id="{4E9B1E45-04A1-46FC-B9DF-37D5F39950CC}" type="datetimeFigureOut">
               <a:rPr lang="zh-CN" altLang="en-US" smtClean="0"/>
-              <a:t>2018/1/27</a:t>
+              <a:t>2018/2/22</a:t>
             </a:fld>
             <a:endParaRPr lang="zh-CN" altLang="en-US"/>
           </a:p>
@@ -1009,7 +1009,7 @@
           <a:p>
             <a:fld id="{4E9B1E45-04A1-46FC-B9DF-37D5F39950CC}" type="datetimeFigureOut">
               <a:rPr lang="zh-CN" altLang="en-US" smtClean="0"/>
-              <a:t>2018/1/27</a:t>
+              <a:t>2018/2/22</a:t>
             </a:fld>
             <a:endParaRPr lang="zh-CN" altLang="en-US"/>
           </a:p>
@@ -1241,7 +1241,7 @@
           <a:p>
             <a:fld id="{4E9B1E45-04A1-46FC-B9DF-37D5F39950CC}" type="datetimeFigureOut">
               <a:rPr lang="zh-CN" altLang="en-US" smtClean="0"/>
-              <a:t>2018/1/27</a:t>
+              <a:t>2018/2/22</a:t>
             </a:fld>
             <a:endParaRPr lang="zh-CN" altLang="en-US"/>
           </a:p>
@@ -1608,7 +1608,7 @@
           <a:p>
             <a:fld id="{4E9B1E45-04A1-46FC-B9DF-37D5F39950CC}" type="datetimeFigureOut">
               <a:rPr lang="zh-CN" altLang="en-US" smtClean="0"/>
-              <a:t>2018/1/27</a:t>
+              <a:t>2018/2/22</a:t>
             </a:fld>
             <a:endParaRPr lang="zh-CN" altLang="en-US"/>
           </a:p>
@@ -1726,7 +1726,7 @@
           <a:p>
             <a:fld id="{4E9B1E45-04A1-46FC-B9DF-37D5F39950CC}" type="datetimeFigureOut">
               <a:rPr lang="zh-CN" altLang="en-US" smtClean="0"/>
-              <a:t>2018/1/27</a:t>
+              <a:t>2018/2/22</a:t>
             </a:fld>
             <a:endParaRPr lang="zh-CN" altLang="en-US"/>
           </a:p>
@@ -1821,7 +1821,7 @@
           <a:p>
             <a:fld id="{4E9B1E45-04A1-46FC-B9DF-37D5F39950CC}" type="datetimeFigureOut">
               <a:rPr lang="zh-CN" altLang="en-US" smtClean="0"/>
-              <a:t>2018/1/27</a:t>
+              <a:t>2018/2/22</a:t>
             </a:fld>
             <a:endParaRPr lang="zh-CN" altLang="en-US"/>
           </a:p>
@@ -2098,7 +2098,7 @@
           <a:p>
             <a:fld id="{4E9B1E45-04A1-46FC-B9DF-37D5F39950CC}" type="datetimeFigureOut">
               <a:rPr lang="zh-CN" altLang="en-US" smtClean="0"/>
-              <a:t>2018/1/27</a:t>
+              <a:t>2018/2/22</a:t>
             </a:fld>
             <a:endParaRPr lang="zh-CN" altLang="en-US"/>
           </a:p>
@@ -2355,7 +2355,7 @@
           <a:p>
             <a:fld id="{4E9B1E45-04A1-46FC-B9DF-37D5F39950CC}" type="datetimeFigureOut">
               <a:rPr lang="zh-CN" altLang="en-US" smtClean="0"/>
-              <a:t>2018/1/27</a:t>
+              <a:t>2018/2/22</a:t>
             </a:fld>
             <a:endParaRPr lang="zh-CN" altLang="en-US"/>
           </a:p>
@@ -2568,7 +2568,7 @@
           <a:p>
             <a:fld id="{4E9B1E45-04A1-46FC-B9DF-37D5F39950CC}" type="datetimeFigureOut">
               <a:rPr lang="zh-CN" altLang="en-US" smtClean="0"/>
-              <a:t>2018/1/27</a:t>
+              <a:t>2018/2/22</a:t>
             </a:fld>
             <a:endParaRPr lang="zh-CN" altLang="en-US"/>
           </a:p>
@@ -2973,6 +2973,36 @@
           <a:chExt cx="0" cy="0"/>
         </a:xfrm>
       </p:grpSpPr>
+      <p:pic>
+        <p:nvPicPr>
+          <p:cNvPr id="35" name="图片 34"/>
+          <p:cNvPicPr>
+            <a:picLocks noChangeAspect="1"/>
+          </p:cNvPicPr>
+          <p:nvPr/>
+        </p:nvPicPr>
+        <p:blipFill>
+          <a:blip r:embed="rId2" cstate="print">
+            <a:extLst>
+              <a:ext uri="{28A0092B-C50C-407E-A947-70E740481C1C}">
+                <a14:useLocalDpi xmlns:a14="http://schemas.microsoft.com/office/drawing/2010/main" val="0"/>
+              </a:ext>
+            </a:extLst>
+          </a:blip>
+          <a:stretch>
+            <a:fillRect/>
+          </a:stretch>
+        </p:blipFill>
+        <p:spPr>
+          <a:xfrm>
+            <a:off x="3809932" y="2748386"/>
+            <a:ext cx="1744111" cy="1154601"/>
+          </a:xfrm>
+          <a:prstGeom prst="rect">
+            <a:avLst/>
+          </a:prstGeom>
+        </p:spPr>
+      </p:pic>
       <p:sp>
         <p:nvSpPr>
           <p:cNvPr id="63" name="Rectangle 62"/>
@@ -2984,7 +3014,7 @@
             <a:off x="228730" y="613036"/>
             <a:ext cx="3094264" cy="2145404"/>
           </a:xfrm>
-          <a:prstGeom prst="rect">
+          <a:prstGeom prst="roundRect">
             <a:avLst/>
           </a:prstGeom>
           <a:noFill/>
@@ -3032,8 +3062,8 @@
         </p:nvSpPr>
         <p:spPr>
           <a:xfrm>
-            <a:off x="501314" y="108084"/>
-            <a:ext cx="2549096" cy="461665"/>
+            <a:off x="937267" y="142869"/>
+            <a:ext cx="1677190" cy="461665"/>
           </a:xfrm>
           <a:prstGeom prst="rect">
             <a:avLst/>
@@ -3047,8 +3077,8 @@
           <a:lstStyle/>
           <a:p>
             <a:r>
-              <a:rPr lang="en-US" altLang="zh-CN" sz="2400" dirty="0"/>
-              <a:t>Broadcaster Server</a:t>
+              <a:rPr lang="en-US" altLang="zh-CN" sz="2400" dirty="0" smtClean="0"/>
+              <a:t>Broadcaster</a:t>
             </a:r>
             <a:endParaRPr lang="zh-CN" altLang="en-US" sz="2400" dirty="0"/>
           </a:p>
@@ -3062,13 +3092,15 @@
         </p:nvSpPr>
         <p:spPr>
           <a:xfrm>
-            <a:off x="702844" y="706152"/>
-            <a:ext cx="2146041" cy="1175988"/>
+            <a:off x="702840" y="712605"/>
+            <a:ext cx="2146041" cy="939361"/>
           </a:xfrm>
           <a:prstGeom prst="roundRect">
             <a:avLst/>
           </a:prstGeom>
-          <a:noFill/>
+          <a:solidFill>
+            <a:schemeClr val="bg1"/>
+          </a:solidFill>
           <a:ln w="25400">
             <a:solidFill>
               <a:schemeClr val="tx1"/>
@@ -3100,16 +3132,25 @@
           </a:bodyPr>
           <a:lstStyle/>
           <a:p>
-            <a:pPr algn="ctr"/>
-            <a:r>
-              <a:rPr lang="en-US" altLang="zh-CN" sz="2400" dirty="0">
+            <a:r>
+              <a:rPr lang="en-US" altLang="zh-CN" dirty="0" smtClean="0">
                 <a:solidFill>
                   <a:schemeClr val="tx1"/>
                 </a:solidFill>
               </a:rPr>
-              <a:t>OBS Broadcaster Software</a:t>
-            </a:r>
-            <a:endParaRPr lang="zh-CN" altLang="en-US" sz="2400" dirty="0">
+              <a:t>OBS </a:t>
+            </a:r>
+          </a:p>
+          <a:p>
+            <a:r>
+              <a:rPr lang="en-US" altLang="zh-CN" dirty="0" smtClean="0">
+                <a:solidFill>
+                  <a:schemeClr val="tx1"/>
+                </a:solidFill>
+              </a:rPr>
+              <a:t>Broadcaster Software</a:t>
+            </a:r>
+            <a:endParaRPr lang="zh-CN" altLang="en-US" dirty="0">
               <a:solidFill>
                 <a:schemeClr val="tx1"/>
               </a:solidFill>
@@ -3119,19 +3160,21 @@
       </p:sp>
       <p:sp>
         <p:nvSpPr>
-          <p:cNvPr id="66" name="Rounded Rectangle 65"/>
+          <p:cNvPr id="67" name="Rectangle 66"/>
           <p:cNvSpPr/>
           <p:nvPr/>
         </p:nvSpPr>
         <p:spPr>
           <a:xfrm>
-            <a:off x="702844" y="1994897"/>
-            <a:ext cx="2146041" cy="342506"/>
-          </a:xfrm>
-          <a:prstGeom prst="roundRect">
+            <a:off x="636616" y="1826363"/>
+            <a:ext cx="2278486" cy="493489"/>
+          </a:xfrm>
+          <a:prstGeom prst="rect">
             <a:avLst/>
           </a:prstGeom>
-          <a:noFill/>
+          <a:solidFill>
+            <a:srgbClr val="F8CDC8"/>
+          </a:solidFill>
           <a:ln w="25400">
             <a:solidFill>
               <a:schemeClr val="tx1"/>
@@ -3165,22 +3208,14 @@
           <a:p>
             <a:pPr algn="ctr"/>
             <a:r>
-              <a:rPr lang="en-US" altLang="zh-CN" sz="2400" dirty="0" smtClean="0">
+              <a:rPr lang="en-US" altLang="zh-CN" dirty="0" smtClean="0">
                 <a:solidFill>
                   <a:schemeClr val="tx1"/>
                 </a:solidFill>
               </a:rPr>
-              <a:t>Linux </a:t>
-            </a:r>
-            <a:r>
-              <a:rPr lang="en-US" altLang="zh-CN" sz="2400" dirty="0" err="1" smtClean="0">
-                <a:solidFill>
-                  <a:schemeClr val="tx1"/>
-                </a:solidFill>
-              </a:rPr>
-              <a:t>tc</a:t>
-            </a:r>
-            <a:endParaRPr lang="zh-CN" altLang="en-US" sz="2400" dirty="0">
+              <a:t>Bandwidth Controller</a:t>
+            </a:r>
+            <a:endParaRPr lang="zh-CN" altLang="en-US" dirty="0">
               <a:solidFill>
                 <a:schemeClr val="tx1"/>
               </a:solidFill>
@@ -3190,18 +3225,19 @@
       </p:sp>
       <p:sp>
         <p:nvSpPr>
-          <p:cNvPr id="67" name="Rectangle 66"/>
+          <p:cNvPr id="68" name="Rectangle 67"/>
           <p:cNvSpPr/>
           <p:nvPr/>
         </p:nvSpPr>
         <p:spPr>
           <a:xfrm>
-            <a:off x="702844" y="2609049"/>
-            <a:ext cx="2146041" cy="146958"/>
-          </a:xfrm>
-          <a:prstGeom prst="rect">
+            <a:off x="6020463" y="579264"/>
+            <a:ext cx="3094264" cy="2145404"/>
+          </a:xfrm>
+          <a:prstGeom prst="roundRect">
             <a:avLst/>
           </a:prstGeom>
+          <a:noFill/>
           <a:ln w="25400">
             <a:solidFill>
               <a:schemeClr val="tx1"/>
@@ -3240,19 +3276,53 @@
       </p:sp>
       <p:sp>
         <p:nvSpPr>
-          <p:cNvPr id="68" name="Rectangle 67"/>
-          <p:cNvSpPr/>
+          <p:cNvPr id="69" name="TextBox 68"/>
+          <p:cNvSpPr txBox="1"/>
           <p:nvPr/>
         </p:nvSpPr>
         <p:spPr>
           <a:xfrm>
-            <a:off x="6744609" y="613036"/>
-            <a:ext cx="3094264" cy="2145404"/>
+            <a:off x="7013252" y="120908"/>
+            <a:ext cx="1356462" cy="461665"/>
           </a:xfrm>
           <a:prstGeom prst="rect">
             <a:avLst/>
           </a:prstGeom>
           <a:noFill/>
+        </p:spPr>
+        <p:txBody>
+          <a:bodyPr wrap="none" rtlCol="0">
+            <a:spAutoFit/>
+          </a:bodyPr>
+          <a:lstStyle/>
+          <a:p>
+            <a:r>
+              <a:rPr lang="en-US" altLang="zh-CN" sz="2400" dirty="0" smtClean="0"/>
+              <a:t>Audience</a:t>
+            </a:r>
+            <a:endParaRPr lang="zh-CN" altLang="en-US" sz="2400" dirty="0"/>
+          </a:p>
+        </p:txBody>
+      </p:sp>
+      <p:sp>
+        <p:nvSpPr>
+          <p:cNvPr id="70" name="Rectangle 69"/>
+          <p:cNvSpPr/>
+          <p:nvPr/>
+        </p:nvSpPr>
+        <p:spPr>
+          <a:xfrm>
+            <a:off x="6535427" y="2567657"/>
+            <a:ext cx="2146041" cy="146958"/>
+          </a:xfrm>
+          <a:prstGeom prst="rect">
+            <a:avLst/>
+          </a:prstGeom>
+          <a:solidFill>
+            <a:schemeClr val="bg2">
+              <a:lumMod val="75000"/>
+            </a:schemeClr>
+          </a:solidFill>
           <a:ln w="25400">
             <a:solidFill>
               <a:schemeClr val="tx1"/>
@@ -3291,48 +3361,19 @@
       </p:sp>
       <p:sp>
         <p:nvSpPr>
-          <p:cNvPr id="69" name="TextBox 68"/>
-          <p:cNvSpPr txBox="1"/>
+          <p:cNvPr id="71" name="Rounded Rectangle 70"/>
+          <p:cNvSpPr/>
           <p:nvPr/>
         </p:nvSpPr>
         <p:spPr>
           <a:xfrm>
-            <a:off x="7175423" y="104813"/>
-            <a:ext cx="2228367" cy="461665"/>
-          </a:xfrm>
-          <a:prstGeom prst="rect">
+            <a:off x="6533601" y="744518"/>
+            <a:ext cx="2146041" cy="532503"/>
+          </a:xfrm>
+          <a:prstGeom prst="roundRect">
             <a:avLst/>
           </a:prstGeom>
           <a:noFill/>
-        </p:spPr>
-        <p:txBody>
-          <a:bodyPr wrap="none" rtlCol="0">
-            <a:spAutoFit/>
-          </a:bodyPr>
-          <a:lstStyle/>
-          <a:p>
-            <a:r>
-              <a:rPr lang="en-US" altLang="zh-CN" sz="2400" dirty="0"/>
-              <a:t>Audience Server</a:t>
-            </a:r>
-            <a:endParaRPr lang="zh-CN" altLang="en-US" sz="2400" dirty="0"/>
-          </a:p>
-        </p:txBody>
-      </p:sp>
-      <p:sp>
-        <p:nvSpPr>
-          <p:cNvPr id="70" name="Rectangle 69"/>
-          <p:cNvSpPr/>
-          <p:nvPr/>
-        </p:nvSpPr>
-        <p:spPr>
-          <a:xfrm>
-            <a:off x="7216587" y="2601429"/>
-            <a:ext cx="2146041" cy="146958"/>
-          </a:xfrm>
-          <a:prstGeom prst="rect">
-            <a:avLst/>
-          </a:prstGeom>
           <a:ln w="25400">
             <a:solidFill>
               <a:schemeClr val="tx1"/>
@@ -3365,66 +3406,15 @@
           <a:lstStyle/>
           <a:p>
             <a:pPr algn="ctr"/>
-            <a:endParaRPr lang="zh-CN" altLang="en-US" sz="2400"/>
-          </a:p>
-        </p:txBody>
-      </p:sp>
-      <p:sp>
-        <p:nvSpPr>
-          <p:cNvPr id="71" name="Rounded Rectangle 70"/>
-          <p:cNvSpPr/>
-          <p:nvPr/>
-        </p:nvSpPr>
-        <p:spPr>
-          <a:xfrm>
-            <a:off x="7257749" y="755158"/>
-            <a:ext cx="2146041" cy="532503"/>
-          </a:xfrm>
-          <a:prstGeom prst="roundRect">
-            <a:avLst/>
-          </a:prstGeom>
-          <a:noFill/>
-          <a:ln w="25400">
-            <a:solidFill>
-              <a:schemeClr val="tx1"/>
-            </a:solidFill>
-          </a:ln>
-        </p:spPr>
-        <p:style>
-          <a:lnRef idx="2">
-            <a:schemeClr val="accent1">
-              <a:shade val="50000"/>
-            </a:schemeClr>
-          </a:lnRef>
-          <a:fillRef idx="1">
-            <a:schemeClr val="accent1"/>
-          </a:fillRef>
-          <a:effectRef idx="0">
-            <a:schemeClr val="accent1"/>
-          </a:effectRef>
-          <a:fontRef idx="minor">
-            <a:schemeClr val="lt1"/>
-          </a:fontRef>
-        </p:style>
-        <p:txBody>
-          <a:bodyPr rot="0" spcFirstLastPara="0" vertOverflow="overflow" horzOverflow="overflow" vert="horz" wrap="square" lIns="91440" tIns="45720" rIns="91440" bIns="45720" numCol="1" spcCol="0" rtlCol="0" fromWordArt="0" anchor="ctr" anchorCtr="0" forceAA="0" compatLnSpc="1">
-            <a:prstTxWarp prst="textNoShape">
-              <a:avLst/>
-            </a:prstTxWarp>
-            <a:noAutofit/>
-          </a:bodyPr>
-          <a:lstStyle/>
-          <a:p>
-            <a:pPr algn="ctr"/>
-            <a:r>
-              <a:rPr lang="en-US" altLang="zh-CN" sz="2400" dirty="0">
+            <a:r>
+              <a:rPr lang="en-US" altLang="zh-CN" sz="2000" dirty="0">
                 <a:solidFill>
                   <a:schemeClr val="tx1"/>
                 </a:solidFill>
               </a:rPr>
               <a:t>VLC Player</a:t>
             </a:r>
-            <a:endParaRPr lang="zh-CN" altLang="en-US" sz="2400" dirty="0">
+            <a:endParaRPr lang="zh-CN" altLang="en-US" sz="2000" dirty="0">
               <a:solidFill>
                 <a:schemeClr val="tx1"/>
               </a:solidFill>
@@ -3432,43 +3422,18 @@
           </a:p>
         </p:txBody>
       </p:sp>
-      <p:pic>
-        <p:nvPicPr>
-          <p:cNvPr id="72" name="Picture 71"/>
-          <p:cNvPicPr>
-            <a:picLocks noChangeAspect="1"/>
-          </p:cNvPicPr>
-          <p:nvPr/>
-        </p:nvPicPr>
-        <p:blipFill>
-          <a:blip r:embed="rId2"/>
-          <a:stretch>
-            <a:fillRect/>
-          </a:stretch>
-        </p:blipFill>
-        <p:spPr>
-          <a:xfrm>
-            <a:off x="4191327" y="2931268"/>
-            <a:ext cx="1784094" cy="799766"/>
-          </a:xfrm>
-          <a:prstGeom prst="rect">
-            <a:avLst/>
-          </a:prstGeom>
-        </p:spPr>
-      </p:pic>
       <p:cxnSp>
         <p:nvCxnSpPr>
           <p:cNvPr id="73" name="Elbow Connector 72"/>
           <p:cNvCxnSpPr>
-            <a:stCxn id="67" idx="2"/>
-            <a:endCxn id="72" idx="1"/>
+            <a:stCxn id="36" idx="2"/>
           </p:cNvCxnSpPr>
           <p:nvPr/>
         </p:nvCxnSpPr>
         <p:spPr>
           <a:xfrm rot="16200000" flipH="1">
-            <a:off x="2696024" y="1835848"/>
-            <a:ext cx="575144" cy="2415462"/>
+            <a:off x="2581030" y="1943216"/>
+            <a:ext cx="577299" cy="2187639"/>
           </a:xfrm>
           <a:prstGeom prst="bentConnector2">
             <a:avLst/>
@@ -3498,15 +3463,14 @@
         <p:nvCxnSpPr>
           <p:cNvPr id="74" name="Elbow Connector 73"/>
           <p:cNvCxnSpPr>
-            <a:stCxn id="72" idx="3"/>
             <a:endCxn id="70" idx="2"/>
           </p:cNvCxnSpPr>
           <p:nvPr/>
         </p:nvCxnSpPr>
         <p:spPr>
           <a:xfrm flipV="1">
-            <a:off x="5975421" y="2748387"/>
-            <a:ext cx="2314187" cy="582764"/>
+            <a:off x="5392782" y="2714615"/>
+            <a:ext cx="2215666" cy="550799"/>
           </a:xfrm>
           <a:prstGeom prst="bentConnector2">
             <a:avLst/>
@@ -3540,7 +3504,7 @@
         </p:nvSpPr>
         <p:spPr>
           <a:xfrm>
-            <a:off x="8664917" y="2692531"/>
+            <a:off x="7940771" y="2658759"/>
             <a:ext cx="623889" cy="461665"/>
           </a:xfrm>
           <a:prstGeom prst="rect">
@@ -3600,13 +3564,18 @@
         </p:nvSpPr>
         <p:spPr>
           <a:xfrm>
-            <a:off x="7257749" y="1429783"/>
-            <a:ext cx="2146041" cy="955198"/>
+            <a:off x="6533602" y="1534912"/>
+            <a:ext cx="2146041" cy="616441"/>
           </a:xfrm>
           <a:prstGeom prst="roundRect">
             <a:avLst/>
           </a:prstGeom>
-          <a:noFill/>
+          <a:solidFill>
+            <a:schemeClr val="accent1">
+              <a:lumMod val="20000"/>
+              <a:lumOff val="80000"/>
+            </a:schemeClr>
+          </a:solidFill>
           <a:ln w="25400">
             <a:solidFill>
               <a:schemeClr val="tx1"/>
@@ -3640,14 +3609,14 @@
           <a:p>
             <a:pPr algn="ctr"/>
             <a:r>
-              <a:rPr lang="en-US" altLang="zh-CN" sz="2400" dirty="0" smtClean="0">
+              <a:rPr lang="en-US" altLang="zh-CN" sz="2000" dirty="0" smtClean="0">
                 <a:solidFill>
                   <a:schemeClr val="tx1"/>
                 </a:solidFill>
               </a:rPr>
               <a:t>Nginx-RTMP Server</a:t>
             </a:r>
-            <a:endParaRPr lang="zh-CN" altLang="en-US" sz="2400" dirty="0">
+            <a:endParaRPr lang="zh-CN" altLang="en-US" sz="2000" dirty="0">
               <a:solidFill>
                 <a:schemeClr val="tx1"/>
               </a:solidFill>
@@ -3655,6 +3624,241 @@
           </a:p>
         </p:txBody>
       </p:sp>
+      <p:pic>
+        <p:nvPicPr>
+          <p:cNvPr id="5" name="图片 4"/>
+          <p:cNvPicPr>
+            <a:picLocks noChangeAspect="1"/>
+          </p:cNvPicPr>
+          <p:nvPr/>
+        </p:nvPicPr>
+        <p:blipFill>
+          <a:blip r:embed="rId3"/>
+          <a:stretch>
+            <a:fillRect/>
+          </a:stretch>
+        </p:blipFill>
+        <p:spPr>
+          <a:xfrm>
+            <a:off x="2046735" y="862479"/>
+            <a:ext cx="515974" cy="619368"/>
+          </a:xfrm>
+          <a:prstGeom prst="rect">
+            <a:avLst/>
+          </a:prstGeom>
+        </p:spPr>
+      </p:pic>
+      <p:cxnSp>
+        <p:nvCxnSpPr>
+          <p:cNvPr id="19" name="直接箭头连接符 18"/>
+          <p:cNvCxnSpPr>
+            <a:stCxn id="65" idx="2"/>
+            <a:endCxn id="67" idx="0"/>
+          </p:cNvCxnSpPr>
+          <p:nvPr/>
+        </p:nvCxnSpPr>
+        <p:spPr>
+          <a:xfrm flipH="1">
+            <a:off x="1775859" y="1651966"/>
+            <a:ext cx="2" cy="174397"/>
+          </a:xfrm>
+          <a:prstGeom prst="straightConnector1">
+            <a:avLst/>
+          </a:prstGeom>
+          <a:ln w="28575">
+            <a:solidFill>
+              <a:schemeClr val="tx1"/>
+            </a:solidFill>
+            <a:tailEnd type="triangle"/>
+          </a:ln>
+        </p:spPr>
+        <p:style>
+          <a:lnRef idx="1">
+            <a:schemeClr val="accent1"/>
+          </a:lnRef>
+          <a:fillRef idx="0">
+            <a:schemeClr val="accent1"/>
+          </a:fillRef>
+          <a:effectRef idx="0">
+            <a:schemeClr val="accent1"/>
+          </a:effectRef>
+          <a:fontRef idx="minor">
+            <a:schemeClr val="tx1"/>
+          </a:fontRef>
+        </p:style>
+      </p:cxnSp>
+      <p:sp>
+        <p:nvSpPr>
+          <p:cNvPr id="36" name="Rectangle 69"/>
+          <p:cNvSpPr/>
+          <p:nvPr/>
+        </p:nvSpPr>
+        <p:spPr>
+          <a:xfrm>
+            <a:off x="702839" y="2601429"/>
+            <a:ext cx="2146041" cy="146958"/>
+          </a:xfrm>
+          <a:prstGeom prst="rect">
+            <a:avLst/>
+          </a:prstGeom>
+          <a:solidFill>
+            <a:schemeClr val="bg2">
+              <a:lumMod val="75000"/>
+            </a:schemeClr>
+          </a:solidFill>
+          <a:ln w="25400">
+            <a:solidFill>
+              <a:schemeClr val="tx1"/>
+            </a:solidFill>
+          </a:ln>
+        </p:spPr>
+        <p:style>
+          <a:lnRef idx="2">
+            <a:schemeClr val="accent1">
+              <a:shade val="50000"/>
+            </a:schemeClr>
+          </a:lnRef>
+          <a:fillRef idx="1">
+            <a:schemeClr val="accent1"/>
+          </a:fillRef>
+          <a:effectRef idx="0">
+            <a:schemeClr val="accent1"/>
+          </a:effectRef>
+          <a:fontRef idx="minor">
+            <a:schemeClr val="lt1"/>
+          </a:fontRef>
+        </p:style>
+        <p:txBody>
+          <a:bodyPr rot="0" spcFirstLastPara="0" vertOverflow="overflow" horzOverflow="overflow" vert="horz" wrap="square" lIns="91440" tIns="45720" rIns="91440" bIns="45720" numCol="1" spcCol="0" rtlCol="0" fromWordArt="0" anchor="ctr" anchorCtr="0" forceAA="0" compatLnSpc="1">
+            <a:prstTxWarp prst="textNoShape">
+              <a:avLst/>
+            </a:prstTxWarp>
+            <a:noAutofit/>
+          </a:bodyPr>
+          <a:lstStyle/>
+          <a:p>
+            <a:pPr algn="ctr"/>
+            <a:endParaRPr lang="zh-CN" altLang="en-US" sz="2400"/>
+          </a:p>
+        </p:txBody>
+      </p:sp>
+      <p:cxnSp>
+        <p:nvCxnSpPr>
+          <p:cNvPr id="28" name="直接箭头连接符 27"/>
+          <p:cNvCxnSpPr>
+            <a:stCxn id="67" idx="2"/>
+            <a:endCxn id="36" idx="0"/>
+          </p:cNvCxnSpPr>
+          <p:nvPr/>
+        </p:nvCxnSpPr>
+        <p:spPr>
+          <a:xfrm>
+            <a:off x="1775859" y="2319852"/>
+            <a:ext cx="1" cy="281577"/>
+          </a:xfrm>
+          <a:prstGeom prst="straightConnector1">
+            <a:avLst/>
+          </a:prstGeom>
+          <a:ln w="28575">
+            <a:solidFill>
+              <a:schemeClr val="tx1"/>
+            </a:solidFill>
+            <a:tailEnd type="triangle"/>
+          </a:ln>
+        </p:spPr>
+        <p:style>
+          <a:lnRef idx="1">
+            <a:schemeClr val="accent1"/>
+          </a:lnRef>
+          <a:fillRef idx="0">
+            <a:schemeClr val="accent1"/>
+          </a:fillRef>
+          <a:effectRef idx="0">
+            <a:schemeClr val="accent1"/>
+          </a:effectRef>
+          <a:fontRef idx="minor">
+            <a:schemeClr val="tx1"/>
+          </a:fontRef>
+        </p:style>
+      </p:cxnSp>
+      <p:cxnSp>
+        <p:nvCxnSpPr>
+          <p:cNvPr id="30" name="直接箭头连接符 29"/>
+          <p:cNvCxnSpPr>
+            <a:stCxn id="70" idx="0"/>
+            <a:endCxn id="16" idx="2"/>
+          </p:cNvCxnSpPr>
+          <p:nvPr/>
+        </p:nvCxnSpPr>
+        <p:spPr>
+          <a:xfrm flipH="1" flipV="1">
+            <a:off x="7606623" y="2151353"/>
+            <a:ext cx="1825" cy="416304"/>
+          </a:xfrm>
+          <a:prstGeom prst="straightConnector1">
+            <a:avLst/>
+          </a:prstGeom>
+          <a:ln w="28575">
+            <a:solidFill>
+              <a:schemeClr val="tx1"/>
+            </a:solidFill>
+            <a:tailEnd type="triangle"/>
+          </a:ln>
+        </p:spPr>
+        <p:style>
+          <a:lnRef idx="1">
+            <a:schemeClr val="accent1"/>
+          </a:lnRef>
+          <a:fillRef idx="0">
+            <a:schemeClr val="accent1"/>
+          </a:fillRef>
+          <a:effectRef idx="0">
+            <a:schemeClr val="accent1"/>
+          </a:effectRef>
+          <a:fontRef idx="minor">
+            <a:schemeClr val="tx1"/>
+          </a:fontRef>
+        </p:style>
+      </p:cxnSp>
+      <p:cxnSp>
+        <p:nvCxnSpPr>
+          <p:cNvPr id="34" name="直接箭头连接符 33"/>
+          <p:cNvCxnSpPr>
+            <a:stCxn id="16" idx="0"/>
+            <a:endCxn id="71" idx="2"/>
+          </p:cNvCxnSpPr>
+          <p:nvPr/>
+        </p:nvCxnSpPr>
+        <p:spPr>
+          <a:xfrm flipH="1" flipV="1">
+            <a:off x="7606622" y="1277021"/>
+            <a:ext cx="1" cy="257891"/>
+          </a:xfrm>
+          <a:prstGeom prst="straightConnector1">
+            <a:avLst/>
+          </a:prstGeom>
+          <a:ln w="28575">
+            <a:solidFill>
+              <a:schemeClr val="tx1"/>
+            </a:solidFill>
+            <a:tailEnd type="triangle"/>
+          </a:ln>
+        </p:spPr>
+        <p:style>
+          <a:lnRef idx="1">
+            <a:schemeClr val="accent1"/>
+          </a:lnRef>
+          <a:fillRef idx="0">
+            <a:schemeClr val="accent1"/>
+          </a:fillRef>
+          <a:effectRef idx="0">
+            <a:schemeClr val="accent1"/>
+          </a:effectRef>
+          <a:fontRef idx="minor">
+            <a:schemeClr val="tx1"/>
+          </a:fontRef>
+        </p:style>
+      </p:cxnSp>
     </p:spTree>
     <p:extLst>
       <p:ext uri="{BB962C8B-B14F-4D97-AF65-F5344CB8AC3E}">
